--- a/ppt 16-9/0782.主啊，唤醒我.pptx
+++ b/ppt 16-9/0782.主啊，唤醒我.pptx
@@ -129,7 +129,7 @@
           <p:cNvPr id="2" name="标题 1">
             <a:extLst>
               <a:ext uri="{FF2B5EF4-FFF2-40B4-BE49-F238E27FC236}">
-                <a16:creationId xmlns:a16="http://schemas.microsoft.com/office/drawing/2014/main" id="{499AEA4B-F547-99A3-494A-B309B316B0E1}"/>
+                <a16:creationId xmlns:a16="http://schemas.microsoft.com/office/drawing/2014/main" id="{36333B28-AE95-CAF5-2E86-E88FB772D22D}"/>
               </a:ext>
             </a:extLst>
           </p:cNvPr>
@@ -166,7 +166,7 @@
           <p:cNvPr id="3" name="副标题 2">
             <a:extLst>
               <a:ext uri="{FF2B5EF4-FFF2-40B4-BE49-F238E27FC236}">
-                <a16:creationId xmlns:a16="http://schemas.microsoft.com/office/drawing/2014/main" id="{990133B8-65FF-F8BF-64E9-8B72EDDE7DA3}"/>
+                <a16:creationId xmlns:a16="http://schemas.microsoft.com/office/drawing/2014/main" id="{075A1F31-0789-5734-ABB0-9098E6673921}"/>
               </a:ext>
             </a:extLst>
           </p:cNvPr>
@@ -236,7 +236,7 @@
           <p:cNvPr id="4" name="日期占位符 3">
             <a:extLst>
               <a:ext uri="{FF2B5EF4-FFF2-40B4-BE49-F238E27FC236}">
-                <a16:creationId xmlns:a16="http://schemas.microsoft.com/office/drawing/2014/main" id="{F3CA72D0-9420-DCDC-14E9-3832EC714562}"/>
+                <a16:creationId xmlns:a16="http://schemas.microsoft.com/office/drawing/2014/main" id="{2064443C-54FD-8D37-457D-FE212CA894AE}"/>
               </a:ext>
             </a:extLst>
           </p:cNvPr>
@@ -252,7 +252,7 @@
           <a:bodyPr/>
           <a:lstStyle/>
           <a:p>
-            <a:fld id="{709BD169-331E-4498-A8E4-4F54402039CE}" type="datetimeFigureOut">
+            <a:fld id="{8FBB37E4-125C-424D-9441-BEEC3C585040}" type="datetimeFigureOut">
               <a:rPr lang="zh-CN" altLang="en-US" smtClean="0"/>
               <a:t>2024/3/10</a:t>
             </a:fld>
@@ -265,7 +265,7 @@
           <p:cNvPr id="5" name="页脚占位符 4">
             <a:extLst>
               <a:ext uri="{FF2B5EF4-FFF2-40B4-BE49-F238E27FC236}">
-                <a16:creationId xmlns:a16="http://schemas.microsoft.com/office/drawing/2014/main" id="{5DCD692E-7D60-372E-B41A-4A70D7D7D589}"/>
+                <a16:creationId xmlns:a16="http://schemas.microsoft.com/office/drawing/2014/main" id="{59F53945-E622-9E7B-8371-4012FE56208F}"/>
               </a:ext>
             </a:extLst>
           </p:cNvPr>
@@ -290,7 +290,7 @@
           <p:cNvPr id="6" name="灯片编号占位符 5">
             <a:extLst>
               <a:ext uri="{FF2B5EF4-FFF2-40B4-BE49-F238E27FC236}">
-                <a16:creationId xmlns:a16="http://schemas.microsoft.com/office/drawing/2014/main" id="{56F75B12-068D-296D-EFEC-428666EC78E3}"/>
+                <a16:creationId xmlns:a16="http://schemas.microsoft.com/office/drawing/2014/main" id="{B3BC6FC3-A7D6-FD53-D4FD-B3D34C7A4C67}"/>
               </a:ext>
             </a:extLst>
           </p:cNvPr>
@@ -306,7 +306,7 @@
           <a:bodyPr/>
           <a:lstStyle/>
           <a:p>
-            <a:fld id="{29F59632-6A71-4DE7-B3A4-802B67081A7A}" type="slidenum">
+            <a:fld id="{46D2FBCE-4264-44CC-B206-258A3E3EDC52}" type="slidenum">
               <a:rPr lang="zh-CN" altLang="en-US" smtClean="0"/>
               <a:t>‹#›</a:t>
             </a:fld>
@@ -317,7 +317,7 @@
     </p:spTree>
     <p:extLst>
       <p:ext uri="{BB962C8B-B14F-4D97-AF65-F5344CB8AC3E}">
-        <p14:creationId xmlns:p14="http://schemas.microsoft.com/office/powerpoint/2010/main" val="1380252549"/>
+        <p14:creationId xmlns:p14="http://schemas.microsoft.com/office/powerpoint/2010/main" val="3068617926"/>
       </p:ext>
     </p:extLst>
   </p:cSld>
@@ -349,7 +349,7 @@
           <p:cNvPr id="2" name="标题 1">
             <a:extLst>
               <a:ext uri="{FF2B5EF4-FFF2-40B4-BE49-F238E27FC236}">
-                <a16:creationId xmlns:a16="http://schemas.microsoft.com/office/drawing/2014/main" id="{54492112-3F31-27F3-7510-B394C6B1D222}"/>
+                <a16:creationId xmlns:a16="http://schemas.microsoft.com/office/drawing/2014/main" id="{AC52CC91-145E-7C3C-A4B6-ED9969654134}"/>
               </a:ext>
             </a:extLst>
           </p:cNvPr>
@@ -377,7 +377,7 @@
           <p:cNvPr id="3" name="竖排文字占位符 2">
             <a:extLst>
               <a:ext uri="{FF2B5EF4-FFF2-40B4-BE49-F238E27FC236}">
-                <a16:creationId xmlns:a16="http://schemas.microsoft.com/office/drawing/2014/main" id="{7D92FCE7-9761-8543-A23B-A63E9914994E}"/>
+                <a16:creationId xmlns:a16="http://schemas.microsoft.com/office/drawing/2014/main" id="{B6279BD0-AB3D-4DBD-79EC-3C4903FC23E1}"/>
               </a:ext>
             </a:extLst>
           </p:cNvPr>
@@ -434,7 +434,7 @@
           <p:cNvPr id="4" name="日期占位符 3">
             <a:extLst>
               <a:ext uri="{FF2B5EF4-FFF2-40B4-BE49-F238E27FC236}">
-                <a16:creationId xmlns:a16="http://schemas.microsoft.com/office/drawing/2014/main" id="{F160798D-4701-C7EE-D9A1-240BF558B5BF}"/>
+                <a16:creationId xmlns:a16="http://schemas.microsoft.com/office/drawing/2014/main" id="{67B2D4CC-8320-FA99-44DD-B87DD7C05FD5}"/>
               </a:ext>
             </a:extLst>
           </p:cNvPr>
@@ -450,7 +450,7 @@
           <a:bodyPr/>
           <a:lstStyle/>
           <a:p>
-            <a:fld id="{709BD169-331E-4498-A8E4-4F54402039CE}" type="datetimeFigureOut">
+            <a:fld id="{8FBB37E4-125C-424D-9441-BEEC3C585040}" type="datetimeFigureOut">
               <a:rPr lang="zh-CN" altLang="en-US" smtClean="0"/>
               <a:t>2024/3/10</a:t>
             </a:fld>
@@ -463,7 +463,7 @@
           <p:cNvPr id="5" name="页脚占位符 4">
             <a:extLst>
               <a:ext uri="{FF2B5EF4-FFF2-40B4-BE49-F238E27FC236}">
-                <a16:creationId xmlns:a16="http://schemas.microsoft.com/office/drawing/2014/main" id="{BE529319-80C9-AF6D-8619-4EEC02BBDE4D}"/>
+                <a16:creationId xmlns:a16="http://schemas.microsoft.com/office/drawing/2014/main" id="{4F04379E-C114-7699-F675-261A18A06F6A}"/>
               </a:ext>
             </a:extLst>
           </p:cNvPr>
@@ -488,7 +488,7 @@
           <p:cNvPr id="6" name="灯片编号占位符 5">
             <a:extLst>
               <a:ext uri="{FF2B5EF4-FFF2-40B4-BE49-F238E27FC236}">
-                <a16:creationId xmlns:a16="http://schemas.microsoft.com/office/drawing/2014/main" id="{039A36FF-B8BE-5E4C-4D4A-7B148597B1C4}"/>
+                <a16:creationId xmlns:a16="http://schemas.microsoft.com/office/drawing/2014/main" id="{B6475CF2-0C7F-ED0D-9F47-F501BF52251A}"/>
               </a:ext>
             </a:extLst>
           </p:cNvPr>
@@ -504,7 +504,7 @@
           <a:bodyPr/>
           <a:lstStyle/>
           <a:p>
-            <a:fld id="{29F59632-6A71-4DE7-B3A4-802B67081A7A}" type="slidenum">
+            <a:fld id="{46D2FBCE-4264-44CC-B206-258A3E3EDC52}" type="slidenum">
               <a:rPr lang="zh-CN" altLang="en-US" smtClean="0"/>
               <a:t>‹#›</a:t>
             </a:fld>
@@ -515,7 +515,7 @@
     </p:spTree>
     <p:extLst>
       <p:ext uri="{BB962C8B-B14F-4D97-AF65-F5344CB8AC3E}">
-        <p14:creationId xmlns:p14="http://schemas.microsoft.com/office/powerpoint/2010/main" val="3286522972"/>
+        <p14:creationId xmlns:p14="http://schemas.microsoft.com/office/powerpoint/2010/main" val="1826569535"/>
       </p:ext>
     </p:extLst>
   </p:cSld>
@@ -547,7 +547,7 @@
           <p:cNvPr id="2" name="竖排标题 1">
             <a:extLst>
               <a:ext uri="{FF2B5EF4-FFF2-40B4-BE49-F238E27FC236}">
-                <a16:creationId xmlns:a16="http://schemas.microsoft.com/office/drawing/2014/main" id="{01F6642E-9348-D545-046F-CBE9C6A91B21}"/>
+                <a16:creationId xmlns:a16="http://schemas.microsoft.com/office/drawing/2014/main" id="{6E1FEF64-6E50-8340-AE9F-9B05BB6EA999}"/>
               </a:ext>
             </a:extLst>
           </p:cNvPr>
@@ -580,7 +580,7 @@
           <p:cNvPr id="3" name="竖排文字占位符 2">
             <a:extLst>
               <a:ext uri="{FF2B5EF4-FFF2-40B4-BE49-F238E27FC236}">
-                <a16:creationId xmlns:a16="http://schemas.microsoft.com/office/drawing/2014/main" id="{FE62245D-183B-570A-7BE5-8EE7F133E979}"/>
+                <a16:creationId xmlns:a16="http://schemas.microsoft.com/office/drawing/2014/main" id="{851A42BA-08ED-3275-AF2C-E2496AF696CA}"/>
               </a:ext>
             </a:extLst>
           </p:cNvPr>
@@ -642,7 +642,7 @@
           <p:cNvPr id="4" name="日期占位符 3">
             <a:extLst>
               <a:ext uri="{FF2B5EF4-FFF2-40B4-BE49-F238E27FC236}">
-                <a16:creationId xmlns:a16="http://schemas.microsoft.com/office/drawing/2014/main" id="{75B08A8D-B1E6-5510-0608-4FDC89EC3C28}"/>
+                <a16:creationId xmlns:a16="http://schemas.microsoft.com/office/drawing/2014/main" id="{5F0027E4-48EF-7039-CDC8-8C0C9C9E4C33}"/>
               </a:ext>
             </a:extLst>
           </p:cNvPr>
@@ -658,7 +658,7 @@
           <a:bodyPr/>
           <a:lstStyle/>
           <a:p>
-            <a:fld id="{709BD169-331E-4498-A8E4-4F54402039CE}" type="datetimeFigureOut">
+            <a:fld id="{8FBB37E4-125C-424D-9441-BEEC3C585040}" type="datetimeFigureOut">
               <a:rPr lang="zh-CN" altLang="en-US" smtClean="0"/>
               <a:t>2024/3/10</a:t>
             </a:fld>
@@ -671,7 +671,7 @@
           <p:cNvPr id="5" name="页脚占位符 4">
             <a:extLst>
               <a:ext uri="{FF2B5EF4-FFF2-40B4-BE49-F238E27FC236}">
-                <a16:creationId xmlns:a16="http://schemas.microsoft.com/office/drawing/2014/main" id="{83CB9DA5-836F-65A9-C250-63F1728BCEBC}"/>
+                <a16:creationId xmlns:a16="http://schemas.microsoft.com/office/drawing/2014/main" id="{0DB612C6-DE87-CE3E-C240-5B8DBE378723}"/>
               </a:ext>
             </a:extLst>
           </p:cNvPr>
@@ -696,7 +696,7 @@
           <p:cNvPr id="6" name="灯片编号占位符 5">
             <a:extLst>
               <a:ext uri="{FF2B5EF4-FFF2-40B4-BE49-F238E27FC236}">
-                <a16:creationId xmlns:a16="http://schemas.microsoft.com/office/drawing/2014/main" id="{AF048453-77B4-3402-C3B1-44F23F0111AD}"/>
+                <a16:creationId xmlns:a16="http://schemas.microsoft.com/office/drawing/2014/main" id="{71FB6DCB-5245-0B82-45CC-B000556DF038}"/>
               </a:ext>
             </a:extLst>
           </p:cNvPr>
@@ -712,7 +712,7 @@
           <a:bodyPr/>
           <a:lstStyle/>
           <a:p>
-            <a:fld id="{29F59632-6A71-4DE7-B3A4-802B67081A7A}" type="slidenum">
+            <a:fld id="{46D2FBCE-4264-44CC-B206-258A3E3EDC52}" type="slidenum">
               <a:rPr lang="zh-CN" altLang="en-US" smtClean="0"/>
               <a:t>‹#›</a:t>
             </a:fld>
@@ -723,7 +723,7 @@
     </p:spTree>
     <p:extLst>
       <p:ext uri="{BB962C8B-B14F-4D97-AF65-F5344CB8AC3E}">
-        <p14:creationId xmlns:p14="http://schemas.microsoft.com/office/powerpoint/2010/main" val="793317906"/>
+        <p14:creationId xmlns:p14="http://schemas.microsoft.com/office/powerpoint/2010/main" val="525152459"/>
       </p:ext>
     </p:extLst>
   </p:cSld>
@@ -755,7 +755,7 @@
           <p:cNvPr id="2" name="标题 1">
             <a:extLst>
               <a:ext uri="{FF2B5EF4-FFF2-40B4-BE49-F238E27FC236}">
-                <a16:creationId xmlns:a16="http://schemas.microsoft.com/office/drawing/2014/main" id="{E4F93086-9E61-5730-35C3-27C9617AD9D0}"/>
+                <a16:creationId xmlns:a16="http://schemas.microsoft.com/office/drawing/2014/main" id="{8C04303D-4FBE-597C-FCC6-F7B8309F70EB}"/>
               </a:ext>
             </a:extLst>
           </p:cNvPr>
@@ -783,7 +783,7 @@
           <p:cNvPr id="3" name="内容占位符 2">
             <a:extLst>
               <a:ext uri="{FF2B5EF4-FFF2-40B4-BE49-F238E27FC236}">
-                <a16:creationId xmlns:a16="http://schemas.microsoft.com/office/drawing/2014/main" id="{1219D110-8181-29FA-65AE-20944FA839ED}"/>
+                <a16:creationId xmlns:a16="http://schemas.microsoft.com/office/drawing/2014/main" id="{B939DDD5-2C31-F56F-FE24-223B1CA43F78}"/>
               </a:ext>
             </a:extLst>
           </p:cNvPr>
@@ -840,7 +840,7 @@
           <p:cNvPr id="4" name="日期占位符 3">
             <a:extLst>
               <a:ext uri="{FF2B5EF4-FFF2-40B4-BE49-F238E27FC236}">
-                <a16:creationId xmlns:a16="http://schemas.microsoft.com/office/drawing/2014/main" id="{F3AA786C-4B39-C973-7AE3-96FAB061FA3E}"/>
+                <a16:creationId xmlns:a16="http://schemas.microsoft.com/office/drawing/2014/main" id="{36C697BD-03F3-C4B7-B1AD-0B1ECE199B9A}"/>
               </a:ext>
             </a:extLst>
           </p:cNvPr>
@@ -856,7 +856,7 @@
           <a:bodyPr/>
           <a:lstStyle/>
           <a:p>
-            <a:fld id="{709BD169-331E-4498-A8E4-4F54402039CE}" type="datetimeFigureOut">
+            <a:fld id="{8FBB37E4-125C-424D-9441-BEEC3C585040}" type="datetimeFigureOut">
               <a:rPr lang="zh-CN" altLang="en-US" smtClean="0"/>
               <a:t>2024/3/10</a:t>
             </a:fld>
@@ -869,7 +869,7 @@
           <p:cNvPr id="5" name="页脚占位符 4">
             <a:extLst>
               <a:ext uri="{FF2B5EF4-FFF2-40B4-BE49-F238E27FC236}">
-                <a16:creationId xmlns:a16="http://schemas.microsoft.com/office/drawing/2014/main" id="{66DC5C74-3025-DCEB-E998-D9B9E6FB29F0}"/>
+                <a16:creationId xmlns:a16="http://schemas.microsoft.com/office/drawing/2014/main" id="{F52B5509-52DA-87DD-508C-4A3284135238}"/>
               </a:ext>
             </a:extLst>
           </p:cNvPr>
@@ -894,7 +894,7 @@
           <p:cNvPr id="6" name="灯片编号占位符 5">
             <a:extLst>
               <a:ext uri="{FF2B5EF4-FFF2-40B4-BE49-F238E27FC236}">
-                <a16:creationId xmlns:a16="http://schemas.microsoft.com/office/drawing/2014/main" id="{DEAA84C9-EC94-0C2B-C775-3A6D50BA03BF}"/>
+                <a16:creationId xmlns:a16="http://schemas.microsoft.com/office/drawing/2014/main" id="{DA49D770-74C8-CFCE-60C1-3E28C0CC3D9B}"/>
               </a:ext>
             </a:extLst>
           </p:cNvPr>
@@ -910,7 +910,7 @@
           <a:bodyPr/>
           <a:lstStyle/>
           <a:p>
-            <a:fld id="{29F59632-6A71-4DE7-B3A4-802B67081A7A}" type="slidenum">
+            <a:fld id="{46D2FBCE-4264-44CC-B206-258A3E3EDC52}" type="slidenum">
               <a:rPr lang="zh-CN" altLang="en-US" smtClean="0"/>
               <a:t>‹#›</a:t>
             </a:fld>
@@ -921,7 +921,7 @@
     </p:spTree>
     <p:extLst>
       <p:ext uri="{BB962C8B-B14F-4D97-AF65-F5344CB8AC3E}">
-        <p14:creationId xmlns:p14="http://schemas.microsoft.com/office/powerpoint/2010/main" val="3280011614"/>
+        <p14:creationId xmlns:p14="http://schemas.microsoft.com/office/powerpoint/2010/main" val="860461969"/>
       </p:ext>
     </p:extLst>
   </p:cSld>
@@ -953,7 +953,7 @@
           <p:cNvPr id="2" name="标题 1">
             <a:extLst>
               <a:ext uri="{FF2B5EF4-FFF2-40B4-BE49-F238E27FC236}">
-                <a16:creationId xmlns:a16="http://schemas.microsoft.com/office/drawing/2014/main" id="{0486F4FD-201F-D50D-D753-8C690C2EFDD7}"/>
+                <a16:creationId xmlns:a16="http://schemas.microsoft.com/office/drawing/2014/main" id="{0189B8A4-9BEF-F17B-7419-0DA4C10C172D}"/>
               </a:ext>
             </a:extLst>
           </p:cNvPr>
@@ -990,7 +990,7 @@
           <p:cNvPr id="3" name="文本占位符 2">
             <a:extLst>
               <a:ext uri="{FF2B5EF4-FFF2-40B4-BE49-F238E27FC236}">
-                <a16:creationId xmlns:a16="http://schemas.microsoft.com/office/drawing/2014/main" id="{7D1F7A00-FFAA-7FBB-291C-730487152F6F}"/>
+                <a16:creationId xmlns:a16="http://schemas.microsoft.com/office/drawing/2014/main" id="{D61DCC53-2149-D6E2-A454-9AB302A0FD37}"/>
               </a:ext>
             </a:extLst>
           </p:cNvPr>
@@ -1115,7 +1115,7 @@
           <p:cNvPr id="4" name="日期占位符 3">
             <a:extLst>
               <a:ext uri="{FF2B5EF4-FFF2-40B4-BE49-F238E27FC236}">
-                <a16:creationId xmlns:a16="http://schemas.microsoft.com/office/drawing/2014/main" id="{4B08111C-AF15-C036-E94D-6A6A2EBD626D}"/>
+                <a16:creationId xmlns:a16="http://schemas.microsoft.com/office/drawing/2014/main" id="{F1DF6417-7B69-2CC3-30E7-D9A7C2501764}"/>
               </a:ext>
             </a:extLst>
           </p:cNvPr>
@@ -1131,7 +1131,7 @@
           <a:bodyPr/>
           <a:lstStyle/>
           <a:p>
-            <a:fld id="{709BD169-331E-4498-A8E4-4F54402039CE}" type="datetimeFigureOut">
+            <a:fld id="{8FBB37E4-125C-424D-9441-BEEC3C585040}" type="datetimeFigureOut">
               <a:rPr lang="zh-CN" altLang="en-US" smtClean="0"/>
               <a:t>2024/3/10</a:t>
             </a:fld>
@@ -1144,7 +1144,7 @@
           <p:cNvPr id="5" name="页脚占位符 4">
             <a:extLst>
               <a:ext uri="{FF2B5EF4-FFF2-40B4-BE49-F238E27FC236}">
-                <a16:creationId xmlns:a16="http://schemas.microsoft.com/office/drawing/2014/main" id="{FA720C45-48DD-9589-093A-A529707B2D2A}"/>
+                <a16:creationId xmlns:a16="http://schemas.microsoft.com/office/drawing/2014/main" id="{6C969107-B188-AC3E-5683-DBC30692F938}"/>
               </a:ext>
             </a:extLst>
           </p:cNvPr>
@@ -1169,7 +1169,7 @@
           <p:cNvPr id="6" name="灯片编号占位符 5">
             <a:extLst>
               <a:ext uri="{FF2B5EF4-FFF2-40B4-BE49-F238E27FC236}">
-                <a16:creationId xmlns:a16="http://schemas.microsoft.com/office/drawing/2014/main" id="{159A87E5-3BA1-6BDF-0573-2FCBE9874090}"/>
+                <a16:creationId xmlns:a16="http://schemas.microsoft.com/office/drawing/2014/main" id="{920F668A-2076-DC04-F05D-EC871E712F2F}"/>
               </a:ext>
             </a:extLst>
           </p:cNvPr>
@@ -1185,7 +1185,7 @@
           <a:bodyPr/>
           <a:lstStyle/>
           <a:p>
-            <a:fld id="{29F59632-6A71-4DE7-B3A4-802B67081A7A}" type="slidenum">
+            <a:fld id="{46D2FBCE-4264-44CC-B206-258A3E3EDC52}" type="slidenum">
               <a:rPr lang="zh-CN" altLang="en-US" smtClean="0"/>
               <a:t>‹#›</a:t>
             </a:fld>
@@ -1196,7 +1196,7 @@
     </p:spTree>
     <p:extLst>
       <p:ext uri="{BB962C8B-B14F-4D97-AF65-F5344CB8AC3E}">
-        <p14:creationId xmlns:p14="http://schemas.microsoft.com/office/powerpoint/2010/main" val="3009547564"/>
+        <p14:creationId xmlns:p14="http://schemas.microsoft.com/office/powerpoint/2010/main" val="3337125165"/>
       </p:ext>
     </p:extLst>
   </p:cSld>
@@ -1228,7 +1228,7 @@
           <p:cNvPr id="2" name="标题 1">
             <a:extLst>
               <a:ext uri="{FF2B5EF4-FFF2-40B4-BE49-F238E27FC236}">
-                <a16:creationId xmlns:a16="http://schemas.microsoft.com/office/drawing/2014/main" id="{E01F9206-78F0-9481-FCB2-D95201EB1F21}"/>
+                <a16:creationId xmlns:a16="http://schemas.microsoft.com/office/drawing/2014/main" id="{B9C4E47B-0A38-1983-B26E-09FE75BCBFCC}"/>
               </a:ext>
             </a:extLst>
           </p:cNvPr>
@@ -1256,7 +1256,7 @@
           <p:cNvPr id="3" name="内容占位符 2">
             <a:extLst>
               <a:ext uri="{FF2B5EF4-FFF2-40B4-BE49-F238E27FC236}">
-                <a16:creationId xmlns:a16="http://schemas.microsoft.com/office/drawing/2014/main" id="{C288ED65-8B8D-4581-51FD-B4B311375293}"/>
+                <a16:creationId xmlns:a16="http://schemas.microsoft.com/office/drawing/2014/main" id="{418A90AC-28FA-393C-66D9-F0FC054239EA}"/>
               </a:ext>
             </a:extLst>
           </p:cNvPr>
@@ -1318,7 +1318,7 @@
           <p:cNvPr id="4" name="内容占位符 3">
             <a:extLst>
               <a:ext uri="{FF2B5EF4-FFF2-40B4-BE49-F238E27FC236}">
-                <a16:creationId xmlns:a16="http://schemas.microsoft.com/office/drawing/2014/main" id="{C981BBE2-BC9B-CF53-17F5-EF3B0D185BF7}"/>
+                <a16:creationId xmlns:a16="http://schemas.microsoft.com/office/drawing/2014/main" id="{0A738664-CC7A-9B69-19DF-CC28527AE5B2}"/>
               </a:ext>
             </a:extLst>
           </p:cNvPr>
@@ -1380,7 +1380,7 @@
           <p:cNvPr id="5" name="日期占位符 4">
             <a:extLst>
               <a:ext uri="{FF2B5EF4-FFF2-40B4-BE49-F238E27FC236}">
-                <a16:creationId xmlns:a16="http://schemas.microsoft.com/office/drawing/2014/main" id="{66EE2050-D9FB-C467-6862-D6CF28739430}"/>
+                <a16:creationId xmlns:a16="http://schemas.microsoft.com/office/drawing/2014/main" id="{8B4771B7-FFC1-FB80-92E1-994F7431C272}"/>
               </a:ext>
             </a:extLst>
           </p:cNvPr>
@@ -1396,7 +1396,7 @@
           <a:bodyPr/>
           <a:lstStyle/>
           <a:p>
-            <a:fld id="{709BD169-331E-4498-A8E4-4F54402039CE}" type="datetimeFigureOut">
+            <a:fld id="{8FBB37E4-125C-424D-9441-BEEC3C585040}" type="datetimeFigureOut">
               <a:rPr lang="zh-CN" altLang="en-US" smtClean="0"/>
               <a:t>2024/3/10</a:t>
             </a:fld>
@@ -1409,7 +1409,7 @@
           <p:cNvPr id="6" name="页脚占位符 5">
             <a:extLst>
               <a:ext uri="{FF2B5EF4-FFF2-40B4-BE49-F238E27FC236}">
-                <a16:creationId xmlns:a16="http://schemas.microsoft.com/office/drawing/2014/main" id="{9873E7E6-EDF5-78A0-5551-F11B36561933}"/>
+                <a16:creationId xmlns:a16="http://schemas.microsoft.com/office/drawing/2014/main" id="{5F3964D1-8E2A-8DD3-BE8A-748180F85581}"/>
               </a:ext>
             </a:extLst>
           </p:cNvPr>
@@ -1434,7 +1434,7 @@
           <p:cNvPr id="7" name="灯片编号占位符 6">
             <a:extLst>
               <a:ext uri="{FF2B5EF4-FFF2-40B4-BE49-F238E27FC236}">
-                <a16:creationId xmlns:a16="http://schemas.microsoft.com/office/drawing/2014/main" id="{FEC65CD1-16DE-7FDE-B2CC-764C6B6F2716}"/>
+                <a16:creationId xmlns:a16="http://schemas.microsoft.com/office/drawing/2014/main" id="{F78C7F90-8411-A2FF-0EB9-BAB54D29AD28}"/>
               </a:ext>
             </a:extLst>
           </p:cNvPr>
@@ -1450,7 +1450,7 @@
           <a:bodyPr/>
           <a:lstStyle/>
           <a:p>
-            <a:fld id="{29F59632-6A71-4DE7-B3A4-802B67081A7A}" type="slidenum">
+            <a:fld id="{46D2FBCE-4264-44CC-B206-258A3E3EDC52}" type="slidenum">
               <a:rPr lang="zh-CN" altLang="en-US" smtClean="0"/>
               <a:t>‹#›</a:t>
             </a:fld>
@@ -1461,7 +1461,7 @@
     </p:spTree>
     <p:extLst>
       <p:ext uri="{BB962C8B-B14F-4D97-AF65-F5344CB8AC3E}">
-        <p14:creationId xmlns:p14="http://schemas.microsoft.com/office/powerpoint/2010/main" val="1729142837"/>
+        <p14:creationId xmlns:p14="http://schemas.microsoft.com/office/powerpoint/2010/main" val="4220784681"/>
       </p:ext>
     </p:extLst>
   </p:cSld>
@@ -1493,7 +1493,7 @@
           <p:cNvPr id="2" name="标题 1">
             <a:extLst>
               <a:ext uri="{FF2B5EF4-FFF2-40B4-BE49-F238E27FC236}">
-                <a16:creationId xmlns:a16="http://schemas.microsoft.com/office/drawing/2014/main" id="{69D9195C-83FA-9D9C-404D-E44AD025105C}"/>
+                <a16:creationId xmlns:a16="http://schemas.microsoft.com/office/drawing/2014/main" id="{6BC893B9-7156-9076-5528-C8A8B49F40B1}"/>
               </a:ext>
             </a:extLst>
           </p:cNvPr>
@@ -1526,7 +1526,7 @@
           <p:cNvPr id="3" name="文本占位符 2">
             <a:extLst>
               <a:ext uri="{FF2B5EF4-FFF2-40B4-BE49-F238E27FC236}">
-                <a16:creationId xmlns:a16="http://schemas.microsoft.com/office/drawing/2014/main" id="{A4EC6A5D-87BC-6A3C-3F36-8D117B2807EF}"/>
+                <a16:creationId xmlns:a16="http://schemas.microsoft.com/office/drawing/2014/main" id="{3F4651BF-92FD-8256-3F55-6DADF26B7B29}"/>
               </a:ext>
             </a:extLst>
           </p:cNvPr>
@@ -1597,7 +1597,7 @@
           <p:cNvPr id="4" name="内容占位符 3">
             <a:extLst>
               <a:ext uri="{FF2B5EF4-FFF2-40B4-BE49-F238E27FC236}">
-                <a16:creationId xmlns:a16="http://schemas.microsoft.com/office/drawing/2014/main" id="{0F3A2F89-079C-946B-FAF7-F2223CC89F7C}"/>
+                <a16:creationId xmlns:a16="http://schemas.microsoft.com/office/drawing/2014/main" id="{8994E3A9-E804-75FC-FC9B-CF9585F72EFA}"/>
               </a:ext>
             </a:extLst>
           </p:cNvPr>
@@ -1659,7 +1659,7 @@
           <p:cNvPr id="5" name="文本占位符 4">
             <a:extLst>
               <a:ext uri="{FF2B5EF4-FFF2-40B4-BE49-F238E27FC236}">
-                <a16:creationId xmlns:a16="http://schemas.microsoft.com/office/drawing/2014/main" id="{D15C5FB6-59C5-A273-1242-BDEFE1E666B9}"/>
+                <a16:creationId xmlns:a16="http://schemas.microsoft.com/office/drawing/2014/main" id="{F105CEC1-F882-C12C-0321-48CE5CB318E6}"/>
               </a:ext>
             </a:extLst>
           </p:cNvPr>
@@ -1730,7 +1730,7 @@
           <p:cNvPr id="6" name="内容占位符 5">
             <a:extLst>
               <a:ext uri="{FF2B5EF4-FFF2-40B4-BE49-F238E27FC236}">
-                <a16:creationId xmlns:a16="http://schemas.microsoft.com/office/drawing/2014/main" id="{12D8977B-FDF7-5520-0839-24D6508BB6C5}"/>
+                <a16:creationId xmlns:a16="http://schemas.microsoft.com/office/drawing/2014/main" id="{EEBD721A-F47F-645B-9CC4-81FDB114C509}"/>
               </a:ext>
             </a:extLst>
           </p:cNvPr>
@@ -1792,7 +1792,7 @@
           <p:cNvPr id="7" name="日期占位符 6">
             <a:extLst>
               <a:ext uri="{FF2B5EF4-FFF2-40B4-BE49-F238E27FC236}">
-                <a16:creationId xmlns:a16="http://schemas.microsoft.com/office/drawing/2014/main" id="{41CBEABE-3B14-B280-090F-75BF3DD00A80}"/>
+                <a16:creationId xmlns:a16="http://schemas.microsoft.com/office/drawing/2014/main" id="{9B76DFFF-E1A1-DEF1-A2DB-09B3A05A5A5C}"/>
               </a:ext>
             </a:extLst>
           </p:cNvPr>
@@ -1808,7 +1808,7 @@
           <a:bodyPr/>
           <a:lstStyle/>
           <a:p>
-            <a:fld id="{709BD169-331E-4498-A8E4-4F54402039CE}" type="datetimeFigureOut">
+            <a:fld id="{8FBB37E4-125C-424D-9441-BEEC3C585040}" type="datetimeFigureOut">
               <a:rPr lang="zh-CN" altLang="en-US" smtClean="0"/>
               <a:t>2024/3/10</a:t>
             </a:fld>
@@ -1821,7 +1821,7 @@
           <p:cNvPr id="8" name="页脚占位符 7">
             <a:extLst>
               <a:ext uri="{FF2B5EF4-FFF2-40B4-BE49-F238E27FC236}">
-                <a16:creationId xmlns:a16="http://schemas.microsoft.com/office/drawing/2014/main" id="{6F4AAD41-02ED-3ACE-8DFE-63431EE79046}"/>
+                <a16:creationId xmlns:a16="http://schemas.microsoft.com/office/drawing/2014/main" id="{5F7451C8-24D8-C191-F98A-826B5E36AE00}"/>
               </a:ext>
             </a:extLst>
           </p:cNvPr>
@@ -1846,7 +1846,7 @@
           <p:cNvPr id="9" name="灯片编号占位符 8">
             <a:extLst>
               <a:ext uri="{FF2B5EF4-FFF2-40B4-BE49-F238E27FC236}">
-                <a16:creationId xmlns:a16="http://schemas.microsoft.com/office/drawing/2014/main" id="{678B4322-325D-03F5-5ECA-ADD0EB707D9F}"/>
+                <a16:creationId xmlns:a16="http://schemas.microsoft.com/office/drawing/2014/main" id="{42949ED4-FC7F-E61F-491C-A292012E4641}"/>
               </a:ext>
             </a:extLst>
           </p:cNvPr>
@@ -1862,7 +1862,7 @@
           <a:bodyPr/>
           <a:lstStyle/>
           <a:p>
-            <a:fld id="{29F59632-6A71-4DE7-B3A4-802B67081A7A}" type="slidenum">
+            <a:fld id="{46D2FBCE-4264-44CC-B206-258A3E3EDC52}" type="slidenum">
               <a:rPr lang="zh-CN" altLang="en-US" smtClean="0"/>
               <a:t>‹#›</a:t>
             </a:fld>
@@ -1873,7 +1873,7 @@
     </p:spTree>
     <p:extLst>
       <p:ext uri="{BB962C8B-B14F-4D97-AF65-F5344CB8AC3E}">
-        <p14:creationId xmlns:p14="http://schemas.microsoft.com/office/powerpoint/2010/main" val="309267169"/>
+        <p14:creationId xmlns:p14="http://schemas.microsoft.com/office/powerpoint/2010/main" val="3692435016"/>
       </p:ext>
     </p:extLst>
   </p:cSld>
@@ -1905,7 +1905,7 @@
           <p:cNvPr id="2" name="标题 1">
             <a:extLst>
               <a:ext uri="{FF2B5EF4-FFF2-40B4-BE49-F238E27FC236}">
-                <a16:creationId xmlns:a16="http://schemas.microsoft.com/office/drawing/2014/main" id="{A52D2D67-441D-6931-4B2A-11B0703DF3B9}"/>
+                <a16:creationId xmlns:a16="http://schemas.microsoft.com/office/drawing/2014/main" id="{080D5809-B170-97A3-B73F-4E5E7218DAC5}"/>
               </a:ext>
             </a:extLst>
           </p:cNvPr>
@@ -1933,7 +1933,7 @@
           <p:cNvPr id="3" name="日期占位符 2">
             <a:extLst>
               <a:ext uri="{FF2B5EF4-FFF2-40B4-BE49-F238E27FC236}">
-                <a16:creationId xmlns:a16="http://schemas.microsoft.com/office/drawing/2014/main" id="{3913FA7A-C022-D07E-D736-C75F10ED9643}"/>
+                <a16:creationId xmlns:a16="http://schemas.microsoft.com/office/drawing/2014/main" id="{2E05064C-CF9B-E751-32C9-FF2019706E51}"/>
               </a:ext>
             </a:extLst>
           </p:cNvPr>
@@ -1949,7 +1949,7 @@
           <a:bodyPr/>
           <a:lstStyle/>
           <a:p>
-            <a:fld id="{709BD169-331E-4498-A8E4-4F54402039CE}" type="datetimeFigureOut">
+            <a:fld id="{8FBB37E4-125C-424D-9441-BEEC3C585040}" type="datetimeFigureOut">
               <a:rPr lang="zh-CN" altLang="en-US" smtClean="0"/>
               <a:t>2024/3/10</a:t>
             </a:fld>
@@ -1962,7 +1962,7 @@
           <p:cNvPr id="4" name="页脚占位符 3">
             <a:extLst>
               <a:ext uri="{FF2B5EF4-FFF2-40B4-BE49-F238E27FC236}">
-                <a16:creationId xmlns:a16="http://schemas.microsoft.com/office/drawing/2014/main" id="{358CF9FF-88BC-C410-0EB2-CDB0BB45B8C8}"/>
+                <a16:creationId xmlns:a16="http://schemas.microsoft.com/office/drawing/2014/main" id="{9346AA15-34C5-31A0-22C4-C80929EE0DE4}"/>
               </a:ext>
             </a:extLst>
           </p:cNvPr>
@@ -1987,7 +1987,7 @@
           <p:cNvPr id="5" name="灯片编号占位符 4">
             <a:extLst>
               <a:ext uri="{FF2B5EF4-FFF2-40B4-BE49-F238E27FC236}">
-                <a16:creationId xmlns:a16="http://schemas.microsoft.com/office/drawing/2014/main" id="{71D31B25-BD4F-2E73-3C54-F099E5523E6B}"/>
+                <a16:creationId xmlns:a16="http://schemas.microsoft.com/office/drawing/2014/main" id="{FB0CFF37-0223-386A-9942-26CC0A6D0C2E}"/>
               </a:ext>
             </a:extLst>
           </p:cNvPr>
@@ -2003,7 +2003,7 @@
           <a:bodyPr/>
           <a:lstStyle/>
           <a:p>
-            <a:fld id="{29F59632-6A71-4DE7-B3A4-802B67081A7A}" type="slidenum">
+            <a:fld id="{46D2FBCE-4264-44CC-B206-258A3E3EDC52}" type="slidenum">
               <a:rPr lang="zh-CN" altLang="en-US" smtClean="0"/>
               <a:t>‹#›</a:t>
             </a:fld>
@@ -2014,7 +2014,7 @@
     </p:spTree>
     <p:extLst>
       <p:ext uri="{BB962C8B-B14F-4D97-AF65-F5344CB8AC3E}">
-        <p14:creationId xmlns:p14="http://schemas.microsoft.com/office/powerpoint/2010/main" val="4045950044"/>
+        <p14:creationId xmlns:p14="http://schemas.microsoft.com/office/powerpoint/2010/main" val="268016326"/>
       </p:ext>
     </p:extLst>
   </p:cSld>
@@ -2046,7 +2046,7 @@
           <p:cNvPr id="2" name="日期占位符 1">
             <a:extLst>
               <a:ext uri="{FF2B5EF4-FFF2-40B4-BE49-F238E27FC236}">
-                <a16:creationId xmlns:a16="http://schemas.microsoft.com/office/drawing/2014/main" id="{60FCC56B-21F6-7AB2-4EC8-ECEC75EFECD1}"/>
+                <a16:creationId xmlns:a16="http://schemas.microsoft.com/office/drawing/2014/main" id="{C888070F-6767-8428-32CF-3EB33F94E4C5}"/>
               </a:ext>
             </a:extLst>
           </p:cNvPr>
@@ -2062,7 +2062,7 @@
           <a:bodyPr/>
           <a:lstStyle/>
           <a:p>
-            <a:fld id="{709BD169-331E-4498-A8E4-4F54402039CE}" type="datetimeFigureOut">
+            <a:fld id="{8FBB37E4-125C-424D-9441-BEEC3C585040}" type="datetimeFigureOut">
               <a:rPr lang="zh-CN" altLang="en-US" smtClean="0"/>
               <a:t>2024/3/10</a:t>
             </a:fld>
@@ -2075,7 +2075,7 @@
           <p:cNvPr id="3" name="页脚占位符 2">
             <a:extLst>
               <a:ext uri="{FF2B5EF4-FFF2-40B4-BE49-F238E27FC236}">
-                <a16:creationId xmlns:a16="http://schemas.microsoft.com/office/drawing/2014/main" id="{9A1364A3-89C1-086B-6E90-1A1D04487166}"/>
+                <a16:creationId xmlns:a16="http://schemas.microsoft.com/office/drawing/2014/main" id="{BC7C9DFF-3842-F3F4-D1A8-FE794C04556A}"/>
               </a:ext>
             </a:extLst>
           </p:cNvPr>
@@ -2100,7 +2100,7 @@
           <p:cNvPr id="4" name="灯片编号占位符 3">
             <a:extLst>
               <a:ext uri="{FF2B5EF4-FFF2-40B4-BE49-F238E27FC236}">
-                <a16:creationId xmlns:a16="http://schemas.microsoft.com/office/drawing/2014/main" id="{95059979-866C-62B1-541D-9AF32CFEBC1A}"/>
+                <a16:creationId xmlns:a16="http://schemas.microsoft.com/office/drawing/2014/main" id="{8AE27B8E-FB08-F1AD-7506-F5B1107FCB0C}"/>
               </a:ext>
             </a:extLst>
           </p:cNvPr>
@@ -2116,7 +2116,7 @@
           <a:bodyPr/>
           <a:lstStyle/>
           <a:p>
-            <a:fld id="{29F59632-6A71-4DE7-B3A4-802B67081A7A}" type="slidenum">
+            <a:fld id="{46D2FBCE-4264-44CC-B206-258A3E3EDC52}" type="slidenum">
               <a:rPr lang="zh-CN" altLang="en-US" smtClean="0"/>
               <a:t>‹#›</a:t>
             </a:fld>
@@ -2127,7 +2127,7 @@
     </p:spTree>
     <p:extLst>
       <p:ext uri="{BB962C8B-B14F-4D97-AF65-F5344CB8AC3E}">
-        <p14:creationId xmlns:p14="http://schemas.microsoft.com/office/powerpoint/2010/main" val="3895574423"/>
+        <p14:creationId xmlns:p14="http://schemas.microsoft.com/office/powerpoint/2010/main" val="1814155507"/>
       </p:ext>
     </p:extLst>
   </p:cSld>
@@ -2159,7 +2159,7 @@
           <p:cNvPr id="2" name="标题 1">
             <a:extLst>
               <a:ext uri="{FF2B5EF4-FFF2-40B4-BE49-F238E27FC236}">
-                <a16:creationId xmlns:a16="http://schemas.microsoft.com/office/drawing/2014/main" id="{36AD168D-4326-8CA0-4199-DC8A3FD185CB}"/>
+                <a16:creationId xmlns:a16="http://schemas.microsoft.com/office/drawing/2014/main" id="{47F34FFD-B878-2C84-3CCE-D104B0488E71}"/>
               </a:ext>
             </a:extLst>
           </p:cNvPr>
@@ -2196,7 +2196,7 @@
           <p:cNvPr id="3" name="内容占位符 2">
             <a:extLst>
               <a:ext uri="{FF2B5EF4-FFF2-40B4-BE49-F238E27FC236}">
-                <a16:creationId xmlns:a16="http://schemas.microsoft.com/office/drawing/2014/main" id="{6D44B4C9-A718-85D1-081E-99EF5426B5B7}"/>
+                <a16:creationId xmlns:a16="http://schemas.microsoft.com/office/drawing/2014/main" id="{453EBF10-819F-A78F-6DDA-CBC77D1F2A52}"/>
               </a:ext>
             </a:extLst>
           </p:cNvPr>
@@ -2286,7 +2286,7 @@
           <p:cNvPr id="4" name="文本占位符 3">
             <a:extLst>
               <a:ext uri="{FF2B5EF4-FFF2-40B4-BE49-F238E27FC236}">
-                <a16:creationId xmlns:a16="http://schemas.microsoft.com/office/drawing/2014/main" id="{D54776E9-C223-66C2-AD76-4AC1EC4AC2D9}"/>
+                <a16:creationId xmlns:a16="http://schemas.microsoft.com/office/drawing/2014/main" id="{43B6B761-EFA8-0383-7136-24AB6B35C4C7}"/>
               </a:ext>
             </a:extLst>
           </p:cNvPr>
@@ -2357,7 +2357,7 @@
           <p:cNvPr id="5" name="日期占位符 4">
             <a:extLst>
               <a:ext uri="{FF2B5EF4-FFF2-40B4-BE49-F238E27FC236}">
-                <a16:creationId xmlns:a16="http://schemas.microsoft.com/office/drawing/2014/main" id="{561BBABA-0DB9-42AF-1849-A9FC73B46761}"/>
+                <a16:creationId xmlns:a16="http://schemas.microsoft.com/office/drawing/2014/main" id="{44AA735D-C916-63AA-6A4A-BB8910180E06}"/>
               </a:ext>
             </a:extLst>
           </p:cNvPr>
@@ -2373,7 +2373,7 @@
           <a:bodyPr/>
           <a:lstStyle/>
           <a:p>
-            <a:fld id="{709BD169-331E-4498-A8E4-4F54402039CE}" type="datetimeFigureOut">
+            <a:fld id="{8FBB37E4-125C-424D-9441-BEEC3C585040}" type="datetimeFigureOut">
               <a:rPr lang="zh-CN" altLang="en-US" smtClean="0"/>
               <a:t>2024/3/10</a:t>
             </a:fld>
@@ -2386,7 +2386,7 @@
           <p:cNvPr id="6" name="页脚占位符 5">
             <a:extLst>
               <a:ext uri="{FF2B5EF4-FFF2-40B4-BE49-F238E27FC236}">
-                <a16:creationId xmlns:a16="http://schemas.microsoft.com/office/drawing/2014/main" id="{03C1C5A3-A963-EF8A-2452-AC81888AD64C}"/>
+                <a16:creationId xmlns:a16="http://schemas.microsoft.com/office/drawing/2014/main" id="{9634C5AC-4269-AEEE-FA25-21047DC3EB78}"/>
               </a:ext>
             </a:extLst>
           </p:cNvPr>
@@ -2411,7 +2411,7 @@
           <p:cNvPr id="7" name="灯片编号占位符 6">
             <a:extLst>
               <a:ext uri="{FF2B5EF4-FFF2-40B4-BE49-F238E27FC236}">
-                <a16:creationId xmlns:a16="http://schemas.microsoft.com/office/drawing/2014/main" id="{54DF29F9-530A-88DA-58E0-E6B9E3BACD78}"/>
+                <a16:creationId xmlns:a16="http://schemas.microsoft.com/office/drawing/2014/main" id="{8D560DFB-A9CB-4926-6749-851353C773BE}"/>
               </a:ext>
             </a:extLst>
           </p:cNvPr>
@@ -2427,7 +2427,7 @@
           <a:bodyPr/>
           <a:lstStyle/>
           <a:p>
-            <a:fld id="{29F59632-6A71-4DE7-B3A4-802B67081A7A}" type="slidenum">
+            <a:fld id="{46D2FBCE-4264-44CC-B206-258A3E3EDC52}" type="slidenum">
               <a:rPr lang="zh-CN" altLang="en-US" smtClean="0"/>
               <a:t>‹#›</a:t>
             </a:fld>
@@ -2438,7 +2438,7 @@
     </p:spTree>
     <p:extLst>
       <p:ext uri="{BB962C8B-B14F-4D97-AF65-F5344CB8AC3E}">
-        <p14:creationId xmlns:p14="http://schemas.microsoft.com/office/powerpoint/2010/main" val="856762707"/>
+        <p14:creationId xmlns:p14="http://schemas.microsoft.com/office/powerpoint/2010/main" val="1699514763"/>
       </p:ext>
     </p:extLst>
   </p:cSld>
@@ -2470,7 +2470,7 @@
           <p:cNvPr id="2" name="标题 1">
             <a:extLst>
               <a:ext uri="{FF2B5EF4-FFF2-40B4-BE49-F238E27FC236}">
-                <a16:creationId xmlns:a16="http://schemas.microsoft.com/office/drawing/2014/main" id="{BAA5D948-FD6C-E697-2C20-BEE233AEC0A0}"/>
+                <a16:creationId xmlns:a16="http://schemas.microsoft.com/office/drawing/2014/main" id="{EC28E9A4-A4B7-3C98-0888-1589A624E53D}"/>
               </a:ext>
             </a:extLst>
           </p:cNvPr>
@@ -2507,7 +2507,7 @@
           <p:cNvPr id="3" name="图片占位符 2">
             <a:extLst>
               <a:ext uri="{FF2B5EF4-FFF2-40B4-BE49-F238E27FC236}">
-                <a16:creationId xmlns:a16="http://schemas.microsoft.com/office/drawing/2014/main" id="{C172BA76-C922-8104-5660-6AF693B816A9}"/>
+                <a16:creationId xmlns:a16="http://schemas.microsoft.com/office/drawing/2014/main" id="{7DB9E5E0-9FEE-0FEB-6BE4-13664CC9B3E0}"/>
               </a:ext>
             </a:extLst>
           </p:cNvPr>
@@ -2574,7 +2574,7 @@
           <p:cNvPr id="4" name="文本占位符 3">
             <a:extLst>
               <a:ext uri="{FF2B5EF4-FFF2-40B4-BE49-F238E27FC236}">
-                <a16:creationId xmlns:a16="http://schemas.microsoft.com/office/drawing/2014/main" id="{9F067E9A-3EA9-9713-B273-92DDE850EA83}"/>
+                <a16:creationId xmlns:a16="http://schemas.microsoft.com/office/drawing/2014/main" id="{EB19831A-7F9F-C9E5-5C15-8CA80FBF8295}"/>
               </a:ext>
             </a:extLst>
           </p:cNvPr>
@@ -2645,7 +2645,7 @@
           <p:cNvPr id="5" name="日期占位符 4">
             <a:extLst>
               <a:ext uri="{FF2B5EF4-FFF2-40B4-BE49-F238E27FC236}">
-                <a16:creationId xmlns:a16="http://schemas.microsoft.com/office/drawing/2014/main" id="{4FACDC84-105E-E6E5-0C95-2250EDE21D7F}"/>
+                <a16:creationId xmlns:a16="http://schemas.microsoft.com/office/drawing/2014/main" id="{F3BF17E7-3AD1-7872-9785-5EC0BA7D4C5D}"/>
               </a:ext>
             </a:extLst>
           </p:cNvPr>
@@ -2661,7 +2661,7 @@
           <a:bodyPr/>
           <a:lstStyle/>
           <a:p>
-            <a:fld id="{709BD169-331E-4498-A8E4-4F54402039CE}" type="datetimeFigureOut">
+            <a:fld id="{8FBB37E4-125C-424D-9441-BEEC3C585040}" type="datetimeFigureOut">
               <a:rPr lang="zh-CN" altLang="en-US" smtClean="0"/>
               <a:t>2024/3/10</a:t>
             </a:fld>
@@ -2674,7 +2674,7 @@
           <p:cNvPr id="6" name="页脚占位符 5">
             <a:extLst>
               <a:ext uri="{FF2B5EF4-FFF2-40B4-BE49-F238E27FC236}">
-                <a16:creationId xmlns:a16="http://schemas.microsoft.com/office/drawing/2014/main" id="{E44D4164-9A5D-4464-2549-DD6DEC0361F8}"/>
+                <a16:creationId xmlns:a16="http://schemas.microsoft.com/office/drawing/2014/main" id="{4FF44823-B452-8621-213E-F3E030BA1ADE}"/>
               </a:ext>
             </a:extLst>
           </p:cNvPr>
@@ -2699,7 +2699,7 @@
           <p:cNvPr id="7" name="灯片编号占位符 6">
             <a:extLst>
               <a:ext uri="{FF2B5EF4-FFF2-40B4-BE49-F238E27FC236}">
-                <a16:creationId xmlns:a16="http://schemas.microsoft.com/office/drawing/2014/main" id="{A0715E5B-391D-F55E-7A45-86ACC913F4D6}"/>
+                <a16:creationId xmlns:a16="http://schemas.microsoft.com/office/drawing/2014/main" id="{4A24ED14-5C55-82EC-F374-AFDC98750268}"/>
               </a:ext>
             </a:extLst>
           </p:cNvPr>
@@ -2715,7 +2715,7 @@
           <a:bodyPr/>
           <a:lstStyle/>
           <a:p>
-            <a:fld id="{29F59632-6A71-4DE7-B3A4-802B67081A7A}" type="slidenum">
+            <a:fld id="{46D2FBCE-4264-44CC-B206-258A3E3EDC52}" type="slidenum">
               <a:rPr lang="zh-CN" altLang="en-US" smtClean="0"/>
               <a:t>‹#›</a:t>
             </a:fld>
@@ -2726,7 +2726,7 @@
     </p:spTree>
     <p:extLst>
       <p:ext uri="{BB962C8B-B14F-4D97-AF65-F5344CB8AC3E}">
-        <p14:creationId xmlns:p14="http://schemas.microsoft.com/office/powerpoint/2010/main" val="2741685844"/>
+        <p14:creationId xmlns:p14="http://schemas.microsoft.com/office/powerpoint/2010/main" val="2290053800"/>
       </p:ext>
     </p:extLst>
   </p:cSld>
@@ -2763,7 +2763,7 @@
           <p:cNvPr id="2" name="标题占位符 1">
             <a:extLst>
               <a:ext uri="{FF2B5EF4-FFF2-40B4-BE49-F238E27FC236}">
-                <a16:creationId xmlns:a16="http://schemas.microsoft.com/office/drawing/2014/main" id="{8DAAE73F-068D-ABBD-7950-CADF026F07D9}"/>
+                <a16:creationId xmlns:a16="http://schemas.microsoft.com/office/drawing/2014/main" id="{04301744-4275-EC8C-C14D-66D09C8A4AC3}"/>
               </a:ext>
             </a:extLst>
           </p:cNvPr>
@@ -2801,7 +2801,7 @@
           <p:cNvPr id="3" name="文本占位符 2">
             <a:extLst>
               <a:ext uri="{FF2B5EF4-FFF2-40B4-BE49-F238E27FC236}">
-                <a16:creationId xmlns:a16="http://schemas.microsoft.com/office/drawing/2014/main" id="{FB3F3C8E-E733-99B9-1C59-C7D859421184}"/>
+                <a16:creationId xmlns:a16="http://schemas.microsoft.com/office/drawing/2014/main" id="{C06003EE-9505-E6CD-0FCF-59B8367229FD}"/>
               </a:ext>
             </a:extLst>
           </p:cNvPr>
@@ -2868,7 +2868,7 @@
           <p:cNvPr id="4" name="日期占位符 3">
             <a:extLst>
               <a:ext uri="{FF2B5EF4-FFF2-40B4-BE49-F238E27FC236}">
-                <a16:creationId xmlns:a16="http://schemas.microsoft.com/office/drawing/2014/main" id="{E0B68442-3B11-44EA-9EFA-154DED0CB2A9}"/>
+                <a16:creationId xmlns:a16="http://schemas.microsoft.com/office/drawing/2014/main" id="{F3B91DDA-02BB-722A-54F7-2E822D791CCE}"/>
               </a:ext>
             </a:extLst>
           </p:cNvPr>
@@ -2902,7 +2902,7 @@
             </a:lvl1pPr>
           </a:lstStyle>
           <a:p>
-            <a:fld id="{709BD169-331E-4498-A8E4-4F54402039CE}" type="datetimeFigureOut">
+            <a:fld id="{8FBB37E4-125C-424D-9441-BEEC3C585040}" type="datetimeFigureOut">
               <a:rPr lang="zh-CN" altLang="en-US" smtClean="0"/>
               <a:t>2024/3/10</a:t>
             </a:fld>
@@ -2915,7 +2915,7 @@
           <p:cNvPr id="5" name="页脚占位符 4">
             <a:extLst>
               <a:ext uri="{FF2B5EF4-FFF2-40B4-BE49-F238E27FC236}">
-                <a16:creationId xmlns:a16="http://schemas.microsoft.com/office/drawing/2014/main" id="{7EACFEC2-9485-BEC1-93B0-E90E7D342EEF}"/>
+                <a16:creationId xmlns:a16="http://schemas.microsoft.com/office/drawing/2014/main" id="{81581CB8-8489-A00C-A379-6539FAB84667}"/>
               </a:ext>
             </a:extLst>
           </p:cNvPr>
@@ -2958,7 +2958,7 @@
           <p:cNvPr id="6" name="灯片编号占位符 5">
             <a:extLst>
               <a:ext uri="{FF2B5EF4-FFF2-40B4-BE49-F238E27FC236}">
-                <a16:creationId xmlns:a16="http://schemas.microsoft.com/office/drawing/2014/main" id="{808B9ECB-7D8E-D5BF-65AE-F82E95385892}"/>
+                <a16:creationId xmlns:a16="http://schemas.microsoft.com/office/drawing/2014/main" id="{C8CCE111-884F-39B4-0AEE-A6E48D7E4FBE}"/>
               </a:ext>
             </a:extLst>
           </p:cNvPr>
@@ -2992,7 +2992,7 @@
             </a:lvl1pPr>
           </a:lstStyle>
           <a:p>
-            <a:fld id="{29F59632-6A71-4DE7-B3A4-802B67081A7A}" type="slidenum">
+            <a:fld id="{46D2FBCE-4264-44CC-B206-258A3E3EDC52}" type="slidenum">
               <a:rPr lang="zh-CN" altLang="en-US" smtClean="0"/>
               <a:t>‹#›</a:t>
             </a:fld>
@@ -3003,7 +3003,7 @@
     </p:spTree>
     <p:extLst>
       <p:ext uri="{BB962C8B-B14F-4D97-AF65-F5344CB8AC3E}">
-        <p14:creationId xmlns:p14="http://schemas.microsoft.com/office/powerpoint/2010/main" val="2142209651"/>
+        <p14:creationId xmlns:p14="http://schemas.microsoft.com/office/powerpoint/2010/main" val="4121591411"/>
       </p:ext>
     </p:extLst>
   </p:cSld>
